--- a/private/doc/EventHub Final Presentation.pptx
+++ b/private/doc/EventHub Final Presentation.pptx
@@ -1,6 +1,6 @@
 
 <file path=ppt/presentation.xml><?xml version="1.0" encoding="utf-8"?>
-<p:presentation xmlns:a="http://schemas.openxmlformats.org/drawingml/2006/main" xmlns:r="http://schemas.openxmlformats.org/officeDocument/2006/relationships" xmlns:mc="http://schemas.openxmlformats.org/markup-compatibility/2006" xmlns:mv="urn:schemas-microsoft-com:mac:vml" xmlns:p="http://schemas.openxmlformats.org/presentationml/2006/main" mc:Ignorable="mv" mc:PreserveAttributes="mv:*" saveSubsetFonts="1" autoCompressPictures="0">
+<p:presentation xmlns:a="http://schemas.openxmlformats.org/drawingml/2006/main" xmlns:r="http://schemas.openxmlformats.org/officeDocument/2006/relationships" xmlns:p="http://schemas.openxmlformats.org/presentationml/2006/main" saveSubsetFonts="1" autoCompressPictures="0">
   <p:sldMasterIdLst>
     <p:sldMasterId id="2147483654" r:id="rId1"/>
   </p:sldMasterIdLst>
@@ -225,7 +225,7 @@
 </file>
 
 <file path=ppt/notesMasters/notesMaster1.xml><?xml version="1.0" encoding="utf-8"?>
-<p:notesMaster xmlns:a="http://schemas.openxmlformats.org/drawingml/2006/main" xmlns:r="http://schemas.openxmlformats.org/officeDocument/2006/relationships" xmlns:mc="http://schemas.openxmlformats.org/markup-compatibility/2006" xmlns:mv="urn:schemas-microsoft-com:mac:vml" xmlns:p="http://schemas.openxmlformats.org/presentationml/2006/main" mc:Ignorable="mv" mc:PreserveAttributes="mv:*">
+<p:notesMaster xmlns:a="http://schemas.openxmlformats.org/drawingml/2006/main" xmlns:r="http://schemas.openxmlformats.org/officeDocument/2006/relationships" xmlns:p="http://schemas.openxmlformats.org/presentationml/2006/main">
   <p:cSld>
     <p:bg>
       <p:bgRef idx="1001">
@@ -343,6 +343,11 @@
         </p:txBody>
       </p:sp>
     </p:spTree>
+    <p:extLst>
+      <p:ext uri="{BB962C8B-B14F-4D97-AF65-F5344CB8AC3E}">
+        <p14:creationId xmlns:p14="http://schemas.microsoft.com/office/powerpoint/2010/main" val="996723178"/>
+      </p:ext>
+    </p:extLst>
   </p:cSld>
   <p:clrMap bg1="lt1" tx1="dk1" bg2="dk2" tx2="lt2" accent1="accent1" accent2="accent2" accent3="accent3" accent4="accent4" accent5="accent5" accent6="accent6" hlink="hlink" folHlink="folHlink"/>
   <p:notesStyle>
@@ -441,7 +446,7 @@
 </file>
 
 <file path=ppt/notesSlides/notesSlide1.xml><?xml version="1.0" encoding="utf-8"?>
-<p:notes xmlns:a="http://schemas.openxmlformats.org/drawingml/2006/main" xmlns:r="http://schemas.openxmlformats.org/officeDocument/2006/relationships" xmlns:mc="http://schemas.openxmlformats.org/markup-compatibility/2006" xmlns:mv="urn:schemas-microsoft-com:mac:vml" xmlns:p="http://schemas.openxmlformats.org/presentationml/2006/main" mc:Ignorable="mv" mc:PreserveAttributes="mv:*" showMasterSp="0" showMasterPhAnim="0">
+<p:notes xmlns:a="http://schemas.openxmlformats.org/drawingml/2006/main" xmlns:r="http://schemas.openxmlformats.org/officeDocument/2006/relationships" xmlns:p="http://schemas.openxmlformats.org/presentationml/2006/main" showMasterSp="0" showMasterPhAnim="0">
   <p:cSld>
     <p:spTree>
       <p:nvGrpSpPr>
@@ -536,7 +541,7 @@
 </file>
 
 <file path=ppt/notesSlides/notesSlide2.xml><?xml version="1.0" encoding="utf-8"?>
-<p:notes xmlns:a="http://schemas.openxmlformats.org/drawingml/2006/main" xmlns:r="http://schemas.openxmlformats.org/officeDocument/2006/relationships" xmlns:mc="http://schemas.openxmlformats.org/markup-compatibility/2006" xmlns:mv="urn:schemas-microsoft-com:mac:vml" xmlns:p="http://schemas.openxmlformats.org/presentationml/2006/main" mc:Ignorable="mv" mc:PreserveAttributes="mv:*" showMasterSp="0" showMasterPhAnim="0">
+<p:notes xmlns:a="http://schemas.openxmlformats.org/drawingml/2006/main" xmlns:r="http://schemas.openxmlformats.org/officeDocument/2006/relationships" xmlns:p="http://schemas.openxmlformats.org/presentationml/2006/main" showMasterSp="0" showMasterPhAnim="0">
   <p:cSld>
     <p:spTree>
       <p:nvGrpSpPr>
@@ -631,7 +636,7 @@
 </file>
 
 <file path=ppt/notesSlides/notesSlide3.xml><?xml version="1.0" encoding="utf-8"?>
-<p:notes xmlns:a="http://schemas.openxmlformats.org/drawingml/2006/main" xmlns:r="http://schemas.openxmlformats.org/officeDocument/2006/relationships" xmlns:mc="http://schemas.openxmlformats.org/markup-compatibility/2006" xmlns:mv="urn:schemas-microsoft-com:mac:vml" xmlns:p="http://schemas.openxmlformats.org/presentationml/2006/main" mc:Ignorable="mv" mc:PreserveAttributes="mv:*" showMasterSp="0" showMasterPhAnim="0">
+<p:notes xmlns:a="http://schemas.openxmlformats.org/drawingml/2006/main" xmlns:r="http://schemas.openxmlformats.org/officeDocument/2006/relationships" xmlns:p="http://schemas.openxmlformats.org/presentationml/2006/main" showMasterSp="0" showMasterPhAnim="0">
   <p:cSld>
     <p:spTree>
       <p:nvGrpSpPr>
@@ -726,7 +731,7 @@
 </file>
 
 <file path=ppt/notesSlides/notesSlide4.xml><?xml version="1.0" encoding="utf-8"?>
-<p:notes xmlns:a="http://schemas.openxmlformats.org/drawingml/2006/main" xmlns:r="http://schemas.openxmlformats.org/officeDocument/2006/relationships" xmlns:mc="http://schemas.openxmlformats.org/markup-compatibility/2006" xmlns:mv="urn:schemas-microsoft-com:mac:vml" xmlns:p="http://schemas.openxmlformats.org/presentationml/2006/main" mc:Ignorable="mv" mc:PreserveAttributes="mv:*" showMasterSp="0" showMasterPhAnim="0">
+<p:notes xmlns:a="http://schemas.openxmlformats.org/drawingml/2006/main" xmlns:r="http://schemas.openxmlformats.org/officeDocument/2006/relationships" xmlns:p="http://schemas.openxmlformats.org/presentationml/2006/main" showMasterSp="0" showMasterPhAnim="0">
   <p:cSld>
     <p:spTree>
       <p:nvGrpSpPr>
@@ -821,7 +826,7 @@
 </file>
 
 <file path=ppt/notesSlides/notesSlide5.xml><?xml version="1.0" encoding="utf-8"?>
-<p:notes xmlns:a="http://schemas.openxmlformats.org/drawingml/2006/main" xmlns:r="http://schemas.openxmlformats.org/officeDocument/2006/relationships" xmlns:mc="http://schemas.openxmlformats.org/markup-compatibility/2006" xmlns:mv="urn:schemas-microsoft-com:mac:vml" xmlns:p="http://schemas.openxmlformats.org/presentationml/2006/main" mc:Ignorable="mv" mc:PreserveAttributes="mv:*" showMasterSp="0" showMasterPhAnim="0">
+<p:notes xmlns:a="http://schemas.openxmlformats.org/drawingml/2006/main" xmlns:r="http://schemas.openxmlformats.org/officeDocument/2006/relationships" xmlns:p="http://schemas.openxmlformats.org/presentationml/2006/main" showMasterSp="0" showMasterPhAnim="0">
   <p:cSld>
     <p:spTree>
       <p:nvGrpSpPr>
@@ -916,7 +921,7 @@
 </file>
 
 <file path=ppt/notesSlides/notesSlide6.xml><?xml version="1.0" encoding="utf-8"?>
-<p:notes xmlns:a="http://schemas.openxmlformats.org/drawingml/2006/main" xmlns:r="http://schemas.openxmlformats.org/officeDocument/2006/relationships" xmlns:mc="http://schemas.openxmlformats.org/markup-compatibility/2006" xmlns:mv="urn:schemas-microsoft-com:mac:vml" xmlns:p="http://schemas.openxmlformats.org/presentationml/2006/main" mc:Ignorable="mv" mc:PreserveAttributes="mv:*" showMasterSp="0" showMasterPhAnim="0">
+<p:notes xmlns:a="http://schemas.openxmlformats.org/drawingml/2006/main" xmlns:r="http://schemas.openxmlformats.org/officeDocument/2006/relationships" xmlns:p="http://schemas.openxmlformats.org/presentationml/2006/main" showMasterSp="0" showMasterPhAnim="0">
   <p:cSld>
     <p:spTree>
       <p:nvGrpSpPr>
@@ -1011,7 +1016,7 @@
 </file>
 
 <file path=ppt/notesSlides/notesSlide7.xml><?xml version="1.0" encoding="utf-8"?>
-<p:notes xmlns:a="http://schemas.openxmlformats.org/drawingml/2006/main" xmlns:r="http://schemas.openxmlformats.org/officeDocument/2006/relationships" xmlns:mc="http://schemas.openxmlformats.org/markup-compatibility/2006" xmlns:mv="urn:schemas-microsoft-com:mac:vml" xmlns:p="http://schemas.openxmlformats.org/presentationml/2006/main" mc:Ignorable="mv" mc:PreserveAttributes="mv:*" showMasterSp="0" showMasterPhAnim="0">
+<p:notes xmlns:a="http://schemas.openxmlformats.org/drawingml/2006/main" xmlns:r="http://schemas.openxmlformats.org/officeDocument/2006/relationships" xmlns:p="http://schemas.openxmlformats.org/presentationml/2006/main" showMasterSp="0" showMasterPhAnim="0">
   <p:cSld>
     <p:spTree>
       <p:nvGrpSpPr>
@@ -1106,7 +1111,7 @@
 </file>
 
 <file path=ppt/slideLayouts/slideLayout1.xml><?xml version="1.0" encoding="utf-8"?>
-<p:sldLayout xmlns:a="http://schemas.openxmlformats.org/drawingml/2006/main" xmlns:r="http://schemas.openxmlformats.org/officeDocument/2006/relationships" xmlns:mc="http://schemas.openxmlformats.org/markup-compatibility/2006" xmlns:mv="urn:schemas-microsoft-com:mac:vml" xmlns:p="http://schemas.openxmlformats.org/presentationml/2006/main" mc:Ignorable="mv" mc:PreserveAttributes="mv:*" type="title">
+<p:sldLayout xmlns:a="http://schemas.openxmlformats.org/drawingml/2006/main" xmlns:r="http://schemas.openxmlformats.org/officeDocument/2006/relationships" xmlns:p="http://schemas.openxmlformats.org/presentationml/2006/main" type="title">
   <p:cSld name="Title Slide">
     <p:spTree>
       <p:nvGrpSpPr>
@@ -3171,7 +3176,7 @@
 </file>
 
 <file path=ppt/slideLayouts/slideLayout2.xml><?xml version="1.0" encoding="utf-8"?>
-<p:sldLayout xmlns:a="http://schemas.openxmlformats.org/drawingml/2006/main" xmlns:r="http://schemas.openxmlformats.org/officeDocument/2006/relationships" xmlns:mc="http://schemas.openxmlformats.org/markup-compatibility/2006" xmlns:mv="urn:schemas-microsoft-com:mac:vml" xmlns:p="http://schemas.openxmlformats.org/presentationml/2006/main" mc:Ignorable="mv" mc:PreserveAttributes="mv:*" type="tx">
+<p:sldLayout xmlns:a="http://schemas.openxmlformats.org/drawingml/2006/main" xmlns:r="http://schemas.openxmlformats.org/officeDocument/2006/relationships" xmlns:p="http://schemas.openxmlformats.org/presentationml/2006/main" type="tx">
   <p:cSld name="Title and Body">
     <p:spTree>
       <p:nvGrpSpPr>
@@ -3582,7 +3587,7 @@
 </file>
 
 <file path=ppt/slideLayouts/slideLayout3.xml><?xml version="1.0" encoding="utf-8"?>
-<p:sldLayout xmlns:a="http://schemas.openxmlformats.org/drawingml/2006/main" xmlns:r="http://schemas.openxmlformats.org/officeDocument/2006/relationships" xmlns:mc="http://schemas.openxmlformats.org/markup-compatibility/2006" xmlns:mv="urn:schemas-microsoft-com:mac:vml" xmlns:p="http://schemas.openxmlformats.org/presentationml/2006/main" mc:Ignorable="mv" mc:PreserveAttributes="mv:*" type="twoColTx">
+<p:sldLayout xmlns:a="http://schemas.openxmlformats.org/drawingml/2006/main" xmlns:r="http://schemas.openxmlformats.org/officeDocument/2006/relationships" xmlns:p="http://schemas.openxmlformats.org/presentationml/2006/main" type="twoColTx">
   <p:cSld name="Title and Two Columns">
     <p:spTree>
       <p:nvGrpSpPr>
@@ -4048,7 +4053,7 @@
 </file>
 
 <file path=ppt/slideLayouts/slideLayout4.xml><?xml version="1.0" encoding="utf-8"?>
-<p:sldLayout xmlns:a="http://schemas.openxmlformats.org/drawingml/2006/main" xmlns:r="http://schemas.openxmlformats.org/officeDocument/2006/relationships" xmlns:mc="http://schemas.openxmlformats.org/markup-compatibility/2006" xmlns:mv="urn:schemas-microsoft-com:mac:vml" xmlns:p="http://schemas.openxmlformats.org/presentationml/2006/main" mc:Ignorable="mv" mc:PreserveAttributes="mv:*" type="titleOnly">
+<p:sldLayout xmlns:a="http://schemas.openxmlformats.org/drawingml/2006/main" xmlns:r="http://schemas.openxmlformats.org/officeDocument/2006/relationships" xmlns:p="http://schemas.openxmlformats.org/presentationml/2006/main" type="titleOnly">
   <p:cSld name="Title Only">
     <p:spTree>
       <p:nvGrpSpPr>
@@ -4680,7 +4685,7 @@
 </file>
 
 <file path=ppt/slideLayouts/slideLayout5.xml><?xml version="1.0" encoding="utf-8"?>
-<p:sldLayout xmlns:a="http://schemas.openxmlformats.org/drawingml/2006/main" xmlns:r="http://schemas.openxmlformats.org/officeDocument/2006/relationships" xmlns:mc="http://schemas.openxmlformats.org/markup-compatibility/2006" xmlns:mv="urn:schemas-microsoft-com:mac:vml" xmlns:p="http://schemas.openxmlformats.org/presentationml/2006/main" mc:Ignorable="mv" mc:PreserveAttributes="mv:*">
+<p:sldLayout xmlns:a="http://schemas.openxmlformats.org/drawingml/2006/main" xmlns:r="http://schemas.openxmlformats.org/officeDocument/2006/relationships" xmlns:p="http://schemas.openxmlformats.org/presentationml/2006/main">
   <p:cSld name="Caption">
     <p:spTree>
       <p:nvGrpSpPr>
@@ -5290,7 +5295,7 @@
 </file>
 
 <file path=ppt/slideLayouts/slideLayout6.xml><?xml version="1.0" encoding="utf-8"?>
-<p:sldLayout xmlns:a="http://schemas.openxmlformats.org/drawingml/2006/main" xmlns:r="http://schemas.openxmlformats.org/officeDocument/2006/relationships" xmlns:mc="http://schemas.openxmlformats.org/markup-compatibility/2006" xmlns:mv="urn:schemas-microsoft-com:mac:vml" xmlns:p="http://schemas.openxmlformats.org/presentationml/2006/main" mc:Ignorable="mv" mc:PreserveAttributes="mv:*" type="blank">
+<p:sldLayout xmlns:a="http://schemas.openxmlformats.org/drawingml/2006/main" xmlns:r="http://schemas.openxmlformats.org/officeDocument/2006/relationships" xmlns:p="http://schemas.openxmlformats.org/presentationml/2006/main" type="blank">
   <p:cSld name="Blank">
     <p:spTree>
       <p:nvGrpSpPr>
@@ -5315,7 +5320,7 @@
 </file>
 
 <file path=ppt/slideMasters/slideMaster1.xml><?xml version="1.0" encoding="utf-8"?>
-<p:sldMaster xmlns:a="http://schemas.openxmlformats.org/drawingml/2006/main" xmlns:r="http://schemas.openxmlformats.org/officeDocument/2006/relationships" xmlns:mc="http://schemas.openxmlformats.org/markup-compatibility/2006" xmlns:mv="urn:schemas-microsoft-com:mac:vml" xmlns:p="http://schemas.openxmlformats.org/presentationml/2006/main" mc:Ignorable="mv" mc:PreserveAttributes="mv:*">
+<p:sldMaster xmlns:a="http://schemas.openxmlformats.org/drawingml/2006/main" xmlns:r="http://schemas.openxmlformats.org/officeDocument/2006/relationships" xmlns:p="http://schemas.openxmlformats.org/presentationml/2006/main">
   <p:cSld>
     <p:bg>
       <p:bgPr>
@@ -6412,7 +6417,7 @@
 </file>
 
 <file path=ppt/slides/slide1.xml><?xml version="1.0" encoding="utf-8"?>
-<p:sld xmlns:a="http://schemas.openxmlformats.org/drawingml/2006/main" xmlns:r="http://schemas.openxmlformats.org/officeDocument/2006/relationships" xmlns:mc="http://schemas.openxmlformats.org/markup-compatibility/2006" xmlns:mv="urn:schemas-microsoft-com:mac:vml" xmlns:p="http://schemas.openxmlformats.org/presentationml/2006/main" mc:Ignorable="mv" mc:PreserveAttributes="mv:*">
+<p:sld xmlns:a="http://schemas.openxmlformats.org/drawingml/2006/main" xmlns:r="http://schemas.openxmlformats.org/officeDocument/2006/relationships" xmlns:p="http://schemas.openxmlformats.org/presentationml/2006/main">
   <p:cSld>
     <p:spTree>
       <p:nvGrpSpPr>
@@ -6511,7 +6516,7 @@
 </file>
 
 <file path=ppt/slides/slide2.xml><?xml version="1.0" encoding="utf-8"?>
-<p:sld xmlns:a="http://schemas.openxmlformats.org/drawingml/2006/main" xmlns:r="http://schemas.openxmlformats.org/officeDocument/2006/relationships" xmlns:mc="http://schemas.openxmlformats.org/markup-compatibility/2006" xmlns:mv="urn:schemas-microsoft-com:mac:vml" xmlns:p="http://schemas.openxmlformats.org/presentationml/2006/main" mc:Ignorable="mv" mc:PreserveAttributes="mv:*">
+<p:sld xmlns:a="http://schemas.openxmlformats.org/drawingml/2006/main" xmlns:r="http://schemas.openxmlformats.org/officeDocument/2006/relationships" xmlns:p="http://schemas.openxmlformats.org/presentationml/2006/main">
   <p:cSld>
     <p:spTree>
       <p:nvGrpSpPr>
@@ -6621,8 +6626,13 @@
             </a:pPr>
             <a:r>
               <a:rPr lang="en-US" sz="2000" dirty="0" smtClean="0"/>
-              <a:t> Filler</a:t>
+              <a:t> </a:t>
             </a:r>
+            <a:r>
+              <a:rPr lang="en-US" sz="2000" dirty="0" smtClean="0"/>
+              <a:t>Database Manager and Backend Developer</a:t>
+            </a:r>
+            <a:endParaRPr lang="en-US" sz="2000" dirty="0" smtClean="0"/>
           </a:p>
           <a:p>
             <a:pPr>
@@ -6685,7 +6695,7 @@
 </file>
 
 <file path=ppt/slides/slide3.xml><?xml version="1.0" encoding="utf-8"?>
-<p:sld xmlns:a="http://schemas.openxmlformats.org/drawingml/2006/main" xmlns:r="http://schemas.openxmlformats.org/officeDocument/2006/relationships" xmlns:mc="http://schemas.openxmlformats.org/markup-compatibility/2006" xmlns:mv="urn:schemas-microsoft-com:mac:vml" xmlns:p="http://schemas.openxmlformats.org/presentationml/2006/main" mc:Ignorable="mv" mc:PreserveAttributes="mv:*">
+<p:sld xmlns:a="http://schemas.openxmlformats.org/drawingml/2006/main" xmlns:r="http://schemas.openxmlformats.org/officeDocument/2006/relationships" xmlns:p="http://schemas.openxmlformats.org/presentationml/2006/main">
   <p:cSld>
     <p:spTree>
       <p:nvGrpSpPr>
@@ -6816,7 +6826,7 @@
 </file>
 
 <file path=ppt/slides/slide4.xml><?xml version="1.0" encoding="utf-8"?>
-<p:sld xmlns:a="http://schemas.openxmlformats.org/drawingml/2006/main" xmlns:r="http://schemas.openxmlformats.org/officeDocument/2006/relationships" xmlns:mc="http://schemas.openxmlformats.org/markup-compatibility/2006" xmlns:mv="urn:schemas-microsoft-com:mac:vml" xmlns:p="http://schemas.openxmlformats.org/presentationml/2006/main" mc:Ignorable="mv" mc:PreserveAttributes="mv:*">
+<p:sld xmlns:a="http://schemas.openxmlformats.org/drawingml/2006/main" xmlns:r="http://schemas.openxmlformats.org/officeDocument/2006/relationships" xmlns:p="http://schemas.openxmlformats.org/presentationml/2006/main">
   <p:cSld>
     <p:spTree>
       <p:nvGrpSpPr>
@@ -6975,7 +6985,7 @@
 </file>
 
 <file path=ppt/slides/slide5.xml><?xml version="1.0" encoding="utf-8"?>
-<p:sld xmlns:a="http://schemas.openxmlformats.org/drawingml/2006/main" xmlns:r="http://schemas.openxmlformats.org/officeDocument/2006/relationships" xmlns:mc="http://schemas.openxmlformats.org/markup-compatibility/2006" xmlns:mv="urn:schemas-microsoft-com:mac:vml" xmlns:p="http://schemas.openxmlformats.org/presentationml/2006/main" mc:Ignorable="mv" mc:PreserveAttributes="mv:*">
+<p:sld xmlns:a="http://schemas.openxmlformats.org/drawingml/2006/main" xmlns:r="http://schemas.openxmlformats.org/officeDocument/2006/relationships" xmlns:p="http://schemas.openxmlformats.org/presentationml/2006/main">
   <p:cSld>
     <p:spTree>
       <p:nvGrpSpPr>
@@ -7067,11 +7077,7 @@
             </a:pPr>
             <a:r>
               <a:rPr lang="en-US" dirty="0" smtClean="0"/>
-              <a:t>Jay </a:t>
-            </a:r>
-            <a:r>
-              <a:rPr lang="en-US" dirty="0" smtClean="0"/>
-              <a:t>Gallagher &amp; Joe Grzenda</a:t>
+              <a:t>Jay Gallagher &amp; Joe Grzenda</a:t>
             </a:r>
           </a:p>
           <a:p>
@@ -7103,7 +7109,6 @@
               <a:rPr lang="en-US" dirty="0" smtClean="0"/>
               <a:t> Ensured final product passed all tests</a:t>
             </a:r>
-            <a:endParaRPr lang="en-US" dirty="0" smtClean="0"/>
           </a:p>
           <a:p>
             <a:pPr>
@@ -7136,7 +7141,7 @@
 </file>
 
 <file path=ppt/slides/slide6.xml><?xml version="1.0" encoding="utf-8"?>
-<p:sld xmlns:a="http://schemas.openxmlformats.org/drawingml/2006/main" xmlns:r="http://schemas.openxmlformats.org/officeDocument/2006/relationships" xmlns:mc="http://schemas.openxmlformats.org/markup-compatibility/2006" xmlns:mv="urn:schemas-microsoft-com:mac:vml" xmlns:p="http://schemas.openxmlformats.org/presentationml/2006/main" mc:Ignorable="mv" mc:PreserveAttributes="mv:*">
+<p:sld xmlns:a="http://schemas.openxmlformats.org/drawingml/2006/main" xmlns:r="http://schemas.openxmlformats.org/officeDocument/2006/relationships" xmlns:p="http://schemas.openxmlformats.org/presentationml/2006/main">
   <p:cSld>
     <p:spTree>
       <p:nvGrpSpPr>
@@ -7295,7 +7300,7 @@
 </file>
 
 <file path=ppt/slides/slide7.xml><?xml version="1.0" encoding="utf-8"?>
-<p:sld xmlns:a="http://schemas.openxmlformats.org/drawingml/2006/main" xmlns:r="http://schemas.openxmlformats.org/officeDocument/2006/relationships" xmlns:mc="http://schemas.openxmlformats.org/markup-compatibility/2006" xmlns:mv="urn:schemas-microsoft-com:mac:vml" xmlns:p="http://schemas.openxmlformats.org/presentationml/2006/main" mc:Ignorable="mv" mc:PreserveAttributes="mv:*">
+<p:sld xmlns:a="http://schemas.openxmlformats.org/drawingml/2006/main" xmlns:r="http://schemas.openxmlformats.org/officeDocument/2006/relationships" xmlns:p="http://schemas.openxmlformats.org/presentationml/2006/main">
   <p:cSld>
     <p:spTree>
       <p:nvGrpSpPr>
@@ -7398,7 +7403,7 @@
 </file>
 
 <file path=ppt/slides/slide8.xml><?xml version="1.0" encoding="utf-8"?>
-<p:sld xmlns:a="http://schemas.openxmlformats.org/drawingml/2006/main" xmlns:r="http://schemas.openxmlformats.org/officeDocument/2006/relationships" xmlns:mc="http://schemas.openxmlformats.org/markup-compatibility/2006" xmlns:mv="urn:schemas-microsoft-com:mac:vml" xmlns:p="http://schemas.openxmlformats.org/presentationml/2006/main" mc:Ignorable="mv" mc:PreserveAttributes="mv:*">
+<p:sld xmlns:a="http://schemas.openxmlformats.org/drawingml/2006/main" xmlns:r="http://schemas.openxmlformats.org/officeDocument/2006/relationships" xmlns:p="http://schemas.openxmlformats.org/presentationml/2006/main">
   <p:cSld>
     <p:spTree>
       <p:nvGrpSpPr>
